--- a/poster/Poster.pptx
+++ b/poster/Poster.pptx
@@ -104,6 +104,11 @@
       </a:defRPr>
     </a:lvl9pPr>
   </p:defaultTextStyle>
+  <p:extLst>
+    <p:ext uri="{EFAFB233-063F-42B5-8137-9DF3F51BA10A}">
+      <p15:sldGuideLst xmlns:p15="http://schemas.microsoft.com/office/powerpoint/2012/main"/>
+    </p:ext>
+  </p:extLst>
 </p:presentation>
 </file>
 
@@ -238,7 +243,7 @@
           <a:p>
             <a:fld id="{195B50F4-0E43-450D-9541-743DF3F4CD0F}" type="datetimeFigureOut">
               <a:rPr lang="de-DE" smtClean="0"/>
-              <a:t>18.01.2016</a:t>
+              <a:t>10.02.2016</a:t>
             </a:fld>
             <a:endParaRPr lang="de-DE"/>
           </a:p>
@@ -408,7 +413,7 @@
           <a:p>
             <a:fld id="{195B50F4-0E43-450D-9541-743DF3F4CD0F}" type="datetimeFigureOut">
               <a:rPr lang="de-DE" smtClean="0"/>
-              <a:t>18.01.2016</a:t>
+              <a:t>10.02.2016</a:t>
             </a:fld>
             <a:endParaRPr lang="de-DE"/>
           </a:p>
@@ -588,7 +593,7 @@
           <a:p>
             <a:fld id="{195B50F4-0E43-450D-9541-743DF3F4CD0F}" type="datetimeFigureOut">
               <a:rPr lang="de-DE" smtClean="0"/>
-              <a:t>18.01.2016</a:t>
+              <a:t>10.02.2016</a:t>
             </a:fld>
             <a:endParaRPr lang="de-DE"/>
           </a:p>
@@ -758,7 +763,7 @@
           <a:p>
             <a:fld id="{195B50F4-0E43-450D-9541-743DF3F4CD0F}" type="datetimeFigureOut">
               <a:rPr lang="de-DE" smtClean="0"/>
-              <a:t>18.01.2016</a:t>
+              <a:t>10.02.2016</a:t>
             </a:fld>
             <a:endParaRPr lang="de-DE"/>
           </a:p>
@@ -1002,7 +1007,7 @@
           <a:p>
             <a:fld id="{195B50F4-0E43-450D-9541-743DF3F4CD0F}" type="datetimeFigureOut">
               <a:rPr lang="de-DE" smtClean="0"/>
-              <a:t>18.01.2016</a:t>
+              <a:t>10.02.2016</a:t>
             </a:fld>
             <a:endParaRPr lang="de-DE"/>
           </a:p>
@@ -1234,7 +1239,7 @@
           <a:p>
             <a:fld id="{195B50F4-0E43-450D-9541-743DF3F4CD0F}" type="datetimeFigureOut">
               <a:rPr lang="de-DE" smtClean="0"/>
-              <a:t>18.01.2016</a:t>
+              <a:t>10.02.2016</a:t>
             </a:fld>
             <a:endParaRPr lang="de-DE"/>
           </a:p>
@@ -1601,7 +1606,7 @@
           <a:p>
             <a:fld id="{195B50F4-0E43-450D-9541-743DF3F4CD0F}" type="datetimeFigureOut">
               <a:rPr lang="de-DE" smtClean="0"/>
-              <a:t>18.01.2016</a:t>
+              <a:t>10.02.2016</a:t>
             </a:fld>
             <a:endParaRPr lang="de-DE"/>
           </a:p>
@@ -1719,7 +1724,7 @@
           <a:p>
             <a:fld id="{195B50F4-0E43-450D-9541-743DF3F4CD0F}" type="datetimeFigureOut">
               <a:rPr lang="de-DE" smtClean="0"/>
-              <a:t>18.01.2016</a:t>
+              <a:t>10.02.2016</a:t>
             </a:fld>
             <a:endParaRPr lang="de-DE"/>
           </a:p>
@@ -1814,7 +1819,7 @@
           <a:p>
             <a:fld id="{195B50F4-0E43-450D-9541-743DF3F4CD0F}" type="datetimeFigureOut">
               <a:rPr lang="de-DE" smtClean="0"/>
-              <a:t>18.01.2016</a:t>
+              <a:t>10.02.2016</a:t>
             </a:fld>
             <a:endParaRPr lang="de-DE"/>
           </a:p>
@@ -2091,7 +2096,7 @@
           <a:p>
             <a:fld id="{195B50F4-0E43-450D-9541-743DF3F4CD0F}" type="datetimeFigureOut">
               <a:rPr lang="de-DE" smtClean="0"/>
-              <a:t>18.01.2016</a:t>
+              <a:t>10.02.2016</a:t>
             </a:fld>
             <a:endParaRPr lang="de-DE"/>
           </a:p>
@@ -2348,7 +2353,7 @@
           <a:p>
             <a:fld id="{195B50F4-0E43-450D-9541-743DF3F4CD0F}" type="datetimeFigureOut">
               <a:rPr lang="de-DE" smtClean="0"/>
-              <a:t>18.01.2016</a:t>
+              <a:t>10.02.2016</a:t>
             </a:fld>
             <a:endParaRPr lang="de-DE"/>
           </a:p>
@@ -2561,7 +2566,7 @@
           <a:p>
             <a:fld id="{195B50F4-0E43-450D-9541-743DF3F4CD0F}" type="datetimeFigureOut">
               <a:rPr lang="de-DE" smtClean="0"/>
-              <a:t>18.01.2016</a:t>
+              <a:t>10.02.2016</a:t>
             </a:fld>
             <a:endParaRPr lang="de-DE"/>
           </a:p>
@@ -3016,8 +3021,22 @@
           <a:lstStyle/>
           <a:p>
             <a:r>
+              <a:rPr lang="en-US" sz="4000" dirty="0" smtClean="0">
+                <a:solidFill>
+                  <a:schemeClr val="tx1"/>
+                </a:solidFill>
+              </a:rPr>
+              <a:t>Introduction:</a:t>
+            </a:r>
+          </a:p>
+          <a:p>
+            <a:r>
               <a:rPr lang="en-US" sz="4000" dirty="0" smtClean="0"/>
-              <a:t>Bicycle theft is a major problem in many cities, especially university towns.</a:t>
+              <a:t>Bicycle </a:t>
+            </a:r>
+            <a:r>
+              <a:rPr lang="en-US" sz="4000" dirty="0" smtClean="0"/>
+              <a:t>theft is a major problem in many cities, especially university towns.</a:t>
             </a:r>
           </a:p>
           <a:p>
@@ -3070,11 +3089,19 @@
           <a:lstStyle/>
           <a:p>
             <a:r>
-              <a:rPr lang="de-DE" sz="4000" dirty="0" err="1" smtClean="0"/>
+              <a:rPr lang="de-DE" sz="4000" dirty="0" err="1" smtClean="0">
+                <a:solidFill>
+                  <a:schemeClr val="tx1"/>
+                </a:solidFill>
+              </a:rPr>
               <a:t>Used</a:t>
             </a:r>
             <a:r>
-              <a:rPr lang="de-DE" sz="4000" dirty="0" smtClean="0"/>
+              <a:rPr lang="de-DE" sz="4000" dirty="0" smtClean="0">
+                <a:solidFill>
+                  <a:schemeClr val="tx1"/>
+                </a:solidFill>
+              </a:rPr>
               <a:t> Hardware:</a:t>
             </a:r>
           </a:p>
@@ -3143,11 +3170,19 @@
           <a:lstStyle/>
           <a:p>
             <a:r>
-              <a:rPr lang="de-DE" sz="4000" dirty="0" err="1" smtClean="0"/>
+              <a:rPr lang="de-DE" sz="4000" dirty="0" err="1" smtClean="0">
+                <a:solidFill>
+                  <a:schemeClr val="tx1"/>
+                </a:solidFill>
+              </a:rPr>
               <a:t>Used</a:t>
             </a:r>
             <a:r>
-              <a:rPr lang="de-DE" sz="4000" dirty="0" smtClean="0"/>
+              <a:rPr lang="de-DE" sz="4000" dirty="0" smtClean="0">
+                <a:solidFill>
+                  <a:schemeClr val="tx1"/>
+                </a:solidFill>
+              </a:rPr>
               <a:t> Software:</a:t>
             </a:r>
           </a:p>
@@ -3859,6 +3894,1475 @@
           </a:p>
         </p:txBody>
       </p:sp>
+      <p:sp>
+        <p:nvSpPr>
+          <p:cNvPr id="2" name="Abgerundetes Rechteck 1"/>
+          <p:cNvSpPr/>
+          <p:nvPr/>
+        </p:nvSpPr>
+        <p:spPr>
+          <a:xfrm>
+            <a:off x="27497079" y="15443464"/>
+            <a:ext cx="14886432" cy="14604402"/>
+          </a:xfrm>
+          <a:prstGeom prst="roundRect">
+            <a:avLst/>
+          </a:prstGeom>
+        </p:spPr>
+        <p:style>
+          <a:lnRef idx="2">
+            <a:schemeClr val="accent1">
+              <a:shade val="50000"/>
+            </a:schemeClr>
+          </a:lnRef>
+          <a:fillRef idx="1">
+            <a:schemeClr val="accent1"/>
+          </a:fillRef>
+          <a:effectRef idx="0">
+            <a:schemeClr val="accent1"/>
+          </a:effectRef>
+          <a:fontRef idx="minor">
+            <a:schemeClr val="lt1"/>
+          </a:fontRef>
+        </p:style>
+        <p:txBody>
+          <a:bodyPr rtlCol="0" anchor="t"/>
+          <a:lstStyle/>
+          <a:p>
+            <a:r>
+              <a:rPr lang="de-DE" sz="4800" dirty="0" smtClean="0">
+                <a:solidFill>
+                  <a:schemeClr val="tx1"/>
+                </a:solidFill>
+              </a:rPr>
+              <a:t>System Description</a:t>
+            </a:r>
+          </a:p>
+          <a:p>
+            <a:r>
+              <a:rPr lang="de-DE" sz="4800" dirty="0" smtClean="0"/>
+              <a:t>The </a:t>
+            </a:r>
+            <a:r>
+              <a:rPr lang="de-DE" sz="4800" dirty="0" err="1" smtClean="0"/>
+              <a:t>system</a:t>
+            </a:r>
+            <a:r>
+              <a:rPr lang="de-DE" sz="4800" dirty="0" smtClean="0"/>
+              <a:t> </a:t>
+            </a:r>
+            <a:r>
+              <a:rPr lang="de-DE" sz="4800" dirty="0" err="1" smtClean="0"/>
+              <a:t>consits</a:t>
+            </a:r>
+            <a:r>
+              <a:rPr lang="de-DE" sz="4800" dirty="0" smtClean="0"/>
+              <a:t> </a:t>
+            </a:r>
+            <a:r>
+              <a:rPr lang="de-DE" sz="4800" dirty="0" err="1" smtClean="0"/>
+              <a:t>of</a:t>
+            </a:r>
+            <a:r>
+              <a:rPr lang="de-DE" sz="4800" dirty="0" smtClean="0"/>
+              <a:t> a PC </a:t>
+            </a:r>
+            <a:r>
+              <a:rPr lang="de-DE" sz="4800" dirty="0" err="1" smtClean="0"/>
+              <a:t>running</a:t>
+            </a:r>
+            <a:r>
+              <a:rPr lang="de-DE" sz="4800" dirty="0" smtClean="0"/>
+              <a:t> a </a:t>
+            </a:r>
+            <a:r>
+              <a:rPr lang="de-DE" sz="4800" dirty="0" err="1" smtClean="0"/>
+              <a:t>webserver</a:t>
+            </a:r>
+            <a:r>
+              <a:rPr lang="de-DE" sz="4800" dirty="0" smtClean="0"/>
+              <a:t>, a </a:t>
+            </a:r>
+            <a:r>
+              <a:rPr lang="de-DE" sz="4800" dirty="0" err="1" smtClean="0"/>
+              <a:t>iris</a:t>
+            </a:r>
+            <a:r>
+              <a:rPr lang="de-DE" sz="4800" dirty="0" smtClean="0"/>
+              <a:t> </a:t>
+            </a:r>
+            <a:r>
+              <a:rPr lang="de-DE" sz="4800" dirty="0" err="1" smtClean="0"/>
+              <a:t>mote</a:t>
+            </a:r>
+            <a:r>
+              <a:rPr lang="de-DE" sz="4800" dirty="0" smtClean="0"/>
+              <a:t> </a:t>
+            </a:r>
+            <a:r>
+              <a:rPr lang="de-DE" sz="4800" dirty="0" err="1" smtClean="0"/>
+              <a:t>connected</a:t>
+            </a:r>
+            <a:r>
+              <a:rPr lang="de-DE" sz="4800" dirty="0" smtClean="0"/>
+              <a:t> </a:t>
+            </a:r>
+            <a:r>
+              <a:rPr lang="de-DE" sz="4800" dirty="0" err="1" smtClean="0"/>
+              <a:t>to</a:t>
+            </a:r>
+            <a:r>
+              <a:rPr lang="de-DE" sz="4800" dirty="0" smtClean="0"/>
+              <a:t> </a:t>
+            </a:r>
+            <a:r>
+              <a:rPr lang="de-DE" sz="4800" dirty="0" err="1" smtClean="0"/>
+              <a:t>the</a:t>
+            </a:r>
+            <a:r>
+              <a:rPr lang="de-DE" sz="4800" dirty="0" smtClean="0"/>
+              <a:t> PC via USB, a </a:t>
+            </a:r>
+            <a:r>
+              <a:rPr lang="de-DE" sz="4800" dirty="0" err="1" smtClean="0"/>
+              <a:t>set</a:t>
+            </a:r>
+            <a:r>
+              <a:rPr lang="de-DE" sz="4800" dirty="0" smtClean="0"/>
+              <a:t> </a:t>
+            </a:r>
+            <a:r>
+              <a:rPr lang="de-DE" sz="4800" dirty="0" err="1" smtClean="0"/>
+              <a:t>of</a:t>
+            </a:r>
+            <a:r>
+              <a:rPr lang="de-DE" sz="4800" dirty="0" smtClean="0"/>
+              <a:t> </a:t>
+            </a:r>
+            <a:r>
+              <a:rPr lang="de-DE" sz="4800" dirty="0" err="1" smtClean="0"/>
+              <a:t>relay</a:t>
+            </a:r>
+            <a:r>
+              <a:rPr lang="de-DE" sz="4800" dirty="0" smtClean="0"/>
+              <a:t> IRIS </a:t>
+            </a:r>
+            <a:r>
+              <a:rPr lang="de-DE" sz="4800" dirty="0" err="1" smtClean="0"/>
+              <a:t>motes</a:t>
+            </a:r>
+            <a:r>
+              <a:rPr lang="de-DE" sz="4800" dirty="0" smtClean="0"/>
+              <a:t> </a:t>
+            </a:r>
+            <a:r>
+              <a:rPr lang="de-DE" sz="4800" dirty="0" err="1" smtClean="0"/>
+              <a:t>and</a:t>
+            </a:r>
+            <a:r>
+              <a:rPr lang="de-DE" sz="4800" dirty="0" smtClean="0"/>
+              <a:t> so </a:t>
+            </a:r>
+            <a:r>
+              <a:rPr lang="de-DE" sz="4800" dirty="0" err="1" smtClean="0"/>
+              <a:t>called</a:t>
+            </a:r>
+            <a:r>
+              <a:rPr lang="de-DE" sz="4800" dirty="0" smtClean="0"/>
+              <a:t> bike </a:t>
+            </a:r>
+            <a:r>
+              <a:rPr lang="de-DE" sz="4800" dirty="0" err="1" smtClean="0"/>
+              <a:t>iris</a:t>
+            </a:r>
+            <a:r>
+              <a:rPr lang="de-DE" sz="4800" dirty="0" smtClean="0"/>
+              <a:t> </a:t>
+            </a:r>
+            <a:r>
+              <a:rPr lang="de-DE" sz="4800" dirty="0" err="1" smtClean="0"/>
+              <a:t>motes</a:t>
+            </a:r>
+            <a:r>
+              <a:rPr lang="de-DE" sz="4800" dirty="0" smtClean="0"/>
+              <a:t>. The </a:t>
+            </a:r>
+            <a:r>
+              <a:rPr lang="de-DE" sz="4800" dirty="0" err="1" smtClean="0"/>
+              <a:t>process</a:t>
+            </a:r>
+            <a:r>
+              <a:rPr lang="de-DE" sz="4800" dirty="0" smtClean="0"/>
+              <a:t> </a:t>
+            </a:r>
+            <a:r>
+              <a:rPr lang="de-DE" sz="4800" dirty="0" err="1" smtClean="0"/>
+              <a:t>begins</a:t>
+            </a:r>
+            <a:r>
+              <a:rPr lang="de-DE" sz="4800" dirty="0" smtClean="0"/>
+              <a:t> </a:t>
+            </a:r>
+            <a:r>
+              <a:rPr lang="de-DE" sz="4800" dirty="0" err="1" smtClean="0"/>
+              <a:t>with</a:t>
+            </a:r>
+            <a:r>
+              <a:rPr lang="de-DE" sz="4800" dirty="0" smtClean="0"/>
+              <a:t> a </a:t>
+            </a:r>
+            <a:r>
+              <a:rPr lang="de-DE" sz="4800" dirty="0" err="1" smtClean="0"/>
+              <a:t>user</a:t>
+            </a:r>
+            <a:r>
+              <a:rPr lang="de-DE" sz="4800" dirty="0" smtClean="0"/>
+              <a:t> </a:t>
+            </a:r>
+            <a:r>
+              <a:rPr lang="de-DE" sz="4800" dirty="0" err="1" smtClean="0"/>
+              <a:t>marking</a:t>
+            </a:r>
+            <a:r>
+              <a:rPr lang="de-DE" sz="4800" dirty="0" smtClean="0"/>
+              <a:t> </a:t>
+            </a:r>
+            <a:r>
+              <a:rPr lang="de-DE" sz="4800" dirty="0" err="1" smtClean="0"/>
+              <a:t>his</a:t>
+            </a:r>
+            <a:r>
+              <a:rPr lang="de-DE" sz="4800" dirty="0" smtClean="0"/>
+              <a:t> bike </a:t>
+            </a:r>
+            <a:r>
+              <a:rPr lang="de-DE" sz="4800" dirty="0" err="1" smtClean="0"/>
+              <a:t>as</a:t>
+            </a:r>
+            <a:r>
+              <a:rPr lang="de-DE" sz="4800" dirty="0" smtClean="0"/>
+              <a:t> </a:t>
+            </a:r>
+            <a:r>
+              <a:rPr lang="de-DE" sz="4800" dirty="0" err="1" smtClean="0"/>
+              <a:t>stolen</a:t>
+            </a:r>
+            <a:r>
+              <a:rPr lang="de-DE" sz="4800" dirty="0" smtClean="0"/>
+              <a:t> </a:t>
+            </a:r>
+            <a:r>
+              <a:rPr lang="de-DE" sz="4800" dirty="0" err="1" smtClean="0"/>
+              <a:t>using</a:t>
+            </a:r>
+            <a:r>
+              <a:rPr lang="de-DE" sz="4800" dirty="0" smtClean="0"/>
+              <a:t> </a:t>
+            </a:r>
+            <a:r>
+              <a:rPr lang="de-DE" sz="4800" dirty="0" err="1" smtClean="0"/>
+              <a:t>the</a:t>
+            </a:r>
+            <a:r>
+              <a:rPr lang="de-DE" sz="4800" dirty="0" smtClean="0"/>
+              <a:t> </a:t>
+            </a:r>
+            <a:r>
+              <a:rPr lang="de-DE" sz="4800" dirty="0" err="1" smtClean="0"/>
+              <a:t>system‘s</a:t>
+            </a:r>
+            <a:r>
+              <a:rPr lang="de-DE" sz="4800" dirty="0" smtClean="0"/>
+              <a:t> </a:t>
+            </a:r>
+            <a:r>
+              <a:rPr lang="de-DE" sz="4800" dirty="0" err="1" smtClean="0"/>
+              <a:t>webapp</a:t>
+            </a:r>
+            <a:r>
+              <a:rPr lang="de-DE" sz="4800" dirty="0" smtClean="0"/>
+              <a:t> </a:t>
+            </a:r>
+            <a:r>
+              <a:rPr lang="de-DE" sz="4800" dirty="0" err="1" smtClean="0"/>
+              <a:t>using</a:t>
+            </a:r>
+            <a:r>
+              <a:rPr lang="de-DE" sz="4800" dirty="0" smtClean="0"/>
+              <a:t> an ID. The </a:t>
+            </a:r>
+            <a:r>
+              <a:rPr lang="de-DE" sz="4800" dirty="0" err="1" smtClean="0"/>
+              <a:t>webserver</a:t>
+            </a:r>
+            <a:r>
+              <a:rPr lang="de-DE" sz="4800" dirty="0" smtClean="0"/>
+              <a:t> will </a:t>
+            </a:r>
+            <a:r>
+              <a:rPr lang="de-DE" sz="4800" dirty="0" err="1" smtClean="0"/>
+              <a:t>relay</a:t>
+            </a:r>
+            <a:r>
+              <a:rPr lang="de-DE" sz="4800" dirty="0" smtClean="0"/>
+              <a:t> </a:t>
+            </a:r>
+            <a:r>
+              <a:rPr lang="de-DE" sz="4800" dirty="0" err="1" smtClean="0"/>
+              <a:t>this</a:t>
+            </a:r>
+            <a:r>
+              <a:rPr lang="de-DE" sz="4800" dirty="0" smtClean="0"/>
+              <a:t> ID </a:t>
+            </a:r>
+            <a:r>
+              <a:rPr lang="de-DE" sz="4800" dirty="0" err="1" smtClean="0"/>
+              <a:t>to</a:t>
+            </a:r>
+            <a:r>
+              <a:rPr lang="de-DE" sz="4800" dirty="0" smtClean="0"/>
+              <a:t> </a:t>
+            </a:r>
+            <a:r>
+              <a:rPr lang="de-DE" sz="4800" dirty="0" err="1" smtClean="0"/>
+              <a:t>the</a:t>
+            </a:r>
+            <a:r>
+              <a:rPr lang="de-DE" sz="4800" dirty="0" smtClean="0"/>
+              <a:t> </a:t>
+            </a:r>
+            <a:r>
+              <a:rPr lang="de-DE" sz="4800" dirty="0" err="1" smtClean="0"/>
+              <a:t>basestation</a:t>
+            </a:r>
+            <a:r>
+              <a:rPr lang="de-DE" sz="4800" dirty="0" smtClean="0"/>
+              <a:t> </a:t>
+            </a:r>
+            <a:r>
+              <a:rPr lang="de-DE" sz="4800" dirty="0" err="1" smtClean="0"/>
+              <a:t>which</a:t>
+            </a:r>
+            <a:r>
+              <a:rPr lang="de-DE" sz="4800" dirty="0" smtClean="0"/>
+              <a:t> </a:t>
+            </a:r>
+            <a:r>
+              <a:rPr lang="de-DE" sz="4800" dirty="0" err="1" smtClean="0"/>
+              <a:t>broadcasts</a:t>
+            </a:r>
+            <a:r>
+              <a:rPr lang="de-DE" sz="4800" dirty="0" smtClean="0"/>
+              <a:t> </a:t>
+            </a:r>
+            <a:r>
+              <a:rPr lang="de-DE" sz="4800" dirty="0" err="1" smtClean="0"/>
+              <a:t>it</a:t>
+            </a:r>
+            <a:r>
+              <a:rPr lang="de-DE" sz="4800" dirty="0" smtClean="0"/>
+              <a:t> </a:t>
+            </a:r>
+            <a:r>
+              <a:rPr lang="de-DE" sz="4800" dirty="0" err="1" smtClean="0"/>
+              <a:t>to</a:t>
+            </a:r>
+            <a:r>
+              <a:rPr lang="de-DE" sz="4800" dirty="0" smtClean="0"/>
+              <a:t> all </a:t>
+            </a:r>
+            <a:r>
+              <a:rPr lang="de-DE" sz="4800" dirty="0" err="1" smtClean="0"/>
+              <a:t>relay</a:t>
+            </a:r>
+            <a:r>
+              <a:rPr lang="de-DE" sz="4800" dirty="0" smtClean="0"/>
+              <a:t> </a:t>
+            </a:r>
+            <a:r>
+              <a:rPr lang="de-DE" sz="4800" dirty="0" err="1" smtClean="0"/>
+              <a:t>motes</a:t>
+            </a:r>
+            <a:r>
+              <a:rPr lang="de-DE" sz="4800" dirty="0" smtClean="0"/>
+              <a:t> via </a:t>
+            </a:r>
+            <a:r>
+              <a:rPr lang="de-DE" sz="4800" dirty="0" err="1" smtClean="0"/>
+              <a:t>dissemination</a:t>
+            </a:r>
+            <a:r>
+              <a:rPr lang="de-DE" sz="4800" dirty="0" smtClean="0"/>
+              <a:t>. </a:t>
+            </a:r>
+            <a:r>
+              <a:rPr lang="de-DE" sz="4800" dirty="0" err="1" smtClean="0"/>
+              <a:t>When</a:t>
+            </a:r>
+            <a:r>
+              <a:rPr lang="de-DE" sz="4800" dirty="0" smtClean="0"/>
+              <a:t> a bike </a:t>
+            </a:r>
+            <a:r>
+              <a:rPr lang="de-DE" sz="4800" dirty="0" err="1" smtClean="0"/>
+              <a:t>passes</a:t>
+            </a:r>
+            <a:r>
+              <a:rPr lang="de-DE" sz="4800" dirty="0" smtClean="0"/>
+              <a:t> a </a:t>
+            </a:r>
+            <a:r>
+              <a:rPr lang="de-DE" sz="4800" dirty="0" err="1" smtClean="0"/>
+              <a:t>relay</a:t>
+            </a:r>
+            <a:r>
+              <a:rPr lang="de-DE" sz="4800" dirty="0" smtClean="0"/>
+              <a:t> </a:t>
+            </a:r>
+            <a:r>
+              <a:rPr lang="de-DE" sz="4800" dirty="0" err="1" smtClean="0"/>
+              <a:t>mote</a:t>
+            </a:r>
+            <a:r>
+              <a:rPr lang="de-DE" sz="4800" dirty="0" smtClean="0"/>
+              <a:t> </a:t>
+            </a:r>
+            <a:r>
+              <a:rPr lang="de-DE" sz="4800" dirty="0" err="1" smtClean="0"/>
+              <a:t>it</a:t>
+            </a:r>
+            <a:r>
+              <a:rPr lang="de-DE" sz="4800" dirty="0" smtClean="0"/>
+              <a:t> will </a:t>
+            </a:r>
+            <a:r>
+              <a:rPr lang="de-DE" sz="4800" dirty="0" err="1" smtClean="0"/>
+              <a:t>establish</a:t>
+            </a:r>
+            <a:r>
+              <a:rPr lang="de-DE" sz="4800" dirty="0" smtClean="0"/>
+              <a:t> a </a:t>
+            </a:r>
+            <a:r>
+              <a:rPr lang="de-DE" sz="4800" dirty="0" err="1" smtClean="0"/>
+              <a:t>connection</a:t>
+            </a:r>
+            <a:r>
+              <a:rPr lang="de-DE" sz="4800" dirty="0" smtClean="0"/>
+              <a:t> </a:t>
+            </a:r>
+            <a:r>
+              <a:rPr lang="de-DE" sz="4800" dirty="0" err="1" smtClean="0"/>
+              <a:t>and</a:t>
+            </a:r>
+            <a:r>
+              <a:rPr lang="de-DE" sz="4800" dirty="0" smtClean="0"/>
+              <a:t> check </a:t>
+            </a:r>
+            <a:r>
+              <a:rPr lang="de-DE" sz="4800" dirty="0" err="1" smtClean="0"/>
+              <a:t>whether</a:t>
+            </a:r>
+            <a:r>
+              <a:rPr lang="de-DE" sz="4800" dirty="0" smtClean="0"/>
+              <a:t> </a:t>
+            </a:r>
+            <a:r>
+              <a:rPr lang="de-DE" sz="4800" dirty="0" err="1" smtClean="0"/>
+              <a:t>its</a:t>
+            </a:r>
+            <a:r>
+              <a:rPr lang="de-DE" sz="4800" dirty="0" smtClean="0"/>
+              <a:t> ID was </a:t>
+            </a:r>
+            <a:r>
+              <a:rPr lang="de-DE" sz="4800" dirty="0" err="1" smtClean="0"/>
+              <a:t>disseminated</a:t>
+            </a:r>
+            <a:r>
+              <a:rPr lang="de-DE" sz="4800" dirty="0" smtClean="0"/>
+              <a:t>. </a:t>
+            </a:r>
+            <a:r>
+              <a:rPr lang="de-DE" sz="4800" dirty="0" err="1" smtClean="0"/>
+              <a:t>If</a:t>
+            </a:r>
+            <a:r>
+              <a:rPr lang="de-DE" sz="4800" dirty="0" smtClean="0"/>
+              <a:t> </a:t>
+            </a:r>
+            <a:r>
+              <a:rPr lang="de-DE" sz="4800" dirty="0" err="1" smtClean="0"/>
+              <a:t>this</a:t>
+            </a:r>
+            <a:r>
+              <a:rPr lang="de-DE" sz="4800" dirty="0" smtClean="0"/>
+              <a:t> was </a:t>
+            </a:r>
+            <a:r>
+              <a:rPr lang="de-DE" sz="4800" dirty="0" err="1" smtClean="0"/>
+              <a:t>the</a:t>
+            </a:r>
+            <a:r>
+              <a:rPr lang="de-DE" sz="4800" dirty="0" smtClean="0"/>
+              <a:t> </a:t>
+            </a:r>
+            <a:r>
+              <a:rPr lang="de-DE" sz="4800" dirty="0" err="1" smtClean="0"/>
+              <a:t>case</a:t>
+            </a:r>
+            <a:r>
+              <a:rPr lang="de-DE" sz="4800" dirty="0" smtClean="0"/>
+              <a:t> </a:t>
+            </a:r>
+            <a:r>
+              <a:rPr lang="de-DE" sz="4800" dirty="0" err="1" smtClean="0"/>
+              <a:t>the</a:t>
+            </a:r>
+            <a:r>
+              <a:rPr lang="de-DE" sz="4800" dirty="0" smtClean="0"/>
+              <a:t> bike </a:t>
+            </a:r>
+            <a:r>
+              <a:rPr lang="de-DE" sz="4800" dirty="0" err="1" smtClean="0"/>
+              <a:t>mote</a:t>
+            </a:r>
+            <a:r>
+              <a:rPr lang="de-DE" sz="4800" dirty="0" smtClean="0"/>
+              <a:t> will turn on </a:t>
+            </a:r>
+            <a:r>
+              <a:rPr lang="de-DE" sz="4800" dirty="0" err="1" smtClean="0"/>
+              <a:t>its</a:t>
+            </a:r>
+            <a:r>
+              <a:rPr lang="de-DE" sz="4800" dirty="0" smtClean="0"/>
+              <a:t> GPS </a:t>
+            </a:r>
+            <a:r>
+              <a:rPr lang="de-DE" sz="4800" dirty="0" err="1" smtClean="0"/>
+              <a:t>module</a:t>
+            </a:r>
+            <a:r>
+              <a:rPr lang="de-DE" sz="4800" dirty="0" smtClean="0"/>
+              <a:t> </a:t>
+            </a:r>
+            <a:r>
+              <a:rPr lang="de-DE" sz="4800" dirty="0" err="1" smtClean="0"/>
+              <a:t>and</a:t>
+            </a:r>
+            <a:r>
+              <a:rPr lang="de-DE" sz="4800" dirty="0" smtClean="0"/>
+              <a:t> </a:t>
+            </a:r>
+            <a:r>
+              <a:rPr lang="de-DE" sz="4800" dirty="0" err="1" smtClean="0"/>
+              <a:t>start</a:t>
+            </a:r>
+            <a:r>
+              <a:rPr lang="de-DE" sz="4800" dirty="0" smtClean="0"/>
+              <a:t> </a:t>
+            </a:r>
+            <a:r>
+              <a:rPr lang="de-DE" sz="4800" dirty="0" err="1" smtClean="0"/>
+              <a:t>recording</a:t>
+            </a:r>
+            <a:r>
+              <a:rPr lang="de-DE" sz="4800" dirty="0" smtClean="0"/>
+              <a:t> </a:t>
+            </a:r>
+            <a:r>
+              <a:rPr lang="de-DE" sz="4800" dirty="0" err="1" smtClean="0"/>
+              <a:t>its</a:t>
+            </a:r>
+            <a:r>
+              <a:rPr lang="de-DE" sz="4800" dirty="0" smtClean="0"/>
+              <a:t> </a:t>
+            </a:r>
+            <a:r>
+              <a:rPr lang="de-DE" sz="4800" dirty="0" err="1" smtClean="0"/>
+              <a:t>position</a:t>
+            </a:r>
+            <a:r>
+              <a:rPr lang="de-DE" sz="4800" dirty="0" smtClean="0"/>
+              <a:t> in </a:t>
+            </a:r>
+            <a:r>
+              <a:rPr lang="de-DE" sz="4800" dirty="0" err="1" smtClean="0"/>
+              <a:t>combination</a:t>
+            </a:r>
+            <a:r>
+              <a:rPr lang="de-DE" sz="4800" dirty="0" smtClean="0"/>
+              <a:t> </a:t>
+            </a:r>
+            <a:r>
+              <a:rPr lang="de-DE" sz="4800" dirty="0" err="1" smtClean="0"/>
+              <a:t>with</a:t>
+            </a:r>
+            <a:r>
+              <a:rPr lang="de-DE" sz="4800" dirty="0" smtClean="0"/>
+              <a:t> a </a:t>
+            </a:r>
+            <a:r>
+              <a:rPr lang="de-DE" sz="4800" dirty="0" err="1" smtClean="0"/>
+              <a:t>timestamp</a:t>
+            </a:r>
+            <a:r>
+              <a:rPr lang="de-DE" sz="4800" dirty="0" smtClean="0"/>
+              <a:t>. </a:t>
+            </a:r>
+          </a:p>
+          <a:p>
+            <a:r>
+              <a:rPr lang="de-DE" sz="4800" dirty="0" smtClean="0"/>
+              <a:t>The </a:t>
+            </a:r>
+            <a:r>
+              <a:rPr lang="de-DE" sz="4800" dirty="0" err="1" smtClean="0"/>
+              <a:t>next</a:t>
+            </a:r>
+            <a:r>
+              <a:rPr lang="de-DE" sz="4800" dirty="0" smtClean="0"/>
+              <a:t> time </a:t>
+            </a:r>
+            <a:r>
+              <a:rPr lang="de-DE" sz="4800" dirty="0" err="1" smtClean="0"/>
+              <a:t>the</a:t>
+            </a:r>
+            <a:r>
+              <a:rPr lang="de-DE" sz="4800" dirty="0" smtClean="0"/>
+              <a:t> bike </a:t>
+            </a:r>
+            <a:r>
+              <a:rPr lang="de-DE" sz="4800" dirty="0" err="1" smtClean="0"/>
+              <a:t>passes</a:t>
+            </a:r>
+            <a:r>
+              <a:rPr lang="de-DE" sz="4800" dirty="0" smtClean="0"/>
+              <a:t> a </a:t>
+            </a:r>
+            <a:r>
+              <a:rPr lang="de-DE" sz="4800" dirty="0" err="1" smtClean="0"/>
+              <a:t>relay</a:t>
+            </a:r>
+            <a:r>
+              <a:rPr lang="de-DE" sz="4800" dirty="0" smtClean="0"/>
+              <a:t> </a:t>
+            </a:r>
+            <a:r>
+              <a:rPr lang="de-DE" sz="4800" dirty="0" err="1" smtClean="0"/>
+              <a:t>mote</a:t>
+            </a:r>
+            <a:r>
+              <a:rPr lang="de-DE" sz="4800" dirty="0" smtClean="0"/>
+              <a:t> </a:t>
+            </a:r>
+            <a:r>
+              <a:rPr lang="de-DE" sz="4800" dirty="0" err="1" smtClean="0"/>
+              <a:t>the</a:t>
+            </a:r>
+            <a:r>
+              <a:rPr lang="de-DE" sz="4800" dirty="0" smtClean="0"/>
+              <a:t> </a:t>
+            </a:r>
+            <a:r>
+              <a:rPr lang="de-DE" sz="4800" dirty="0" err="1" smtClean="0"/>
+              <a:t>position</a:t>
+            </a:r>
+            <a:r>
+              <a:rPr lang="de-DE" sz="4800" dirty="0" smtClean="0"/>
+              <a:t> </a:t>
+            </a:r>
+            <a:r>
+              <a:rPr lang="de-DE" sz="4800" dirty="0" err="1" smtClean="0"/>
+              <a:t>data</a:t>
+            </a:r>
+            <a:r>
+              <a:rPr lang="de-DE" sz="4800" dirty="0" smtClean="0"/>
+              <a:t> will </a:t>
+            </a:r>
+            <a:r>
+              <a:rPr lang="de-DE" sz="4800" dirty="0" err="1" smtClean="0"/>
+              <a:t>be</a:t>
+            </a:r>
+            <a:r>
+              <a:rPr lang="de-DE" sz="4800" dirty="0" smtClean="0"/>
+              <a:t> </a:t>
+            </a:r>
+            <a:r>
+              <a:rPr lang="de-DE" sz="4800" dirty="0" err="1" smtClean="0"/>
+              <a:t>transfered</a:t>
+            </a:r>
+            <a:r>
+              <a:rPr lang="de-DE" sz="4800" dirty="0" smtClean="0"/>
+              <a:t>, </a:t>
+            </a:r>
+            <a:r>
+              <a:rPr lang="de-DE" sz="4800" dirty="0" err="1" smtClean="0"/>
+              <a:t>collected</a:t>
+            </a:r>
+            <a:r>
+              <a:rPr lang="de-DE" sz="4800" dirty="0" smtClean="0"/>
+              <a:t> at </a:t>
+            </a:r>
+            <a:r>
+              <a:rPr lang="de-DE" sz="4800" dirty="0" err="1" smtClean="0"/>
+              <a:t>the</a:t>
+            </a:r>
+            <a:r>
+              <a:rPr lang="de-DE" sz="4800" dirty="0" smtClean="0"/>
+              <a:t> </a:t>
+            </a:r>
+            <a:r>
+              <a:rPr lang="de-DE" sz="4800" dirty="0" err="1" smtClean="0"/>
+              <a:t>base</a:t>
+            </a:r>
+            <a:r>
+              <a:rPr lang="de-DE" sz="4800" dirty="0" smtClean="0"/>
+              <a:t> </a:t>
+            </a:r>
+            <a:r>
+              <a:rPr lang="de-DE" sz="4800" dirty="0" err="1" smtClean="0"/>
+              <a:t>station</a:t>
+            </a:r>
+            <a:r>
+              <a:rPr lang="de-DE" sz="4800" dirty="0" smtClean="0"/>
+              <a:t> </a:t>
+            </a:r>
+            <a:r>
+              <a:rPr lang="de-DE" sz="4800" dirty="0" err="1" smtClean="0"/>
+              <a:t>and</a:t>
+            </a:r>
+            <a:r>
+              <a:rPr lang="de-DE" sz="4800" dirty="0" smtClean="0"/>
+              <a:t> </a:t>
+            </a:r>
+            <a:r>
+              <a:rPr lang="de-DE" sz="4800" dirty="0" err="1" smtClean="0"/>
+              <a:t>made</a:t>
+            </a:r>
+            <a:r>
+              <a:rPr lang="de-DE" sz="4800" dirty="0" smtClean="0"/>
+              <a:t> </a:t>
+            </a:r>
+            <a:r>
+              <a:rPr lang="de-DE" sz="4800" dirty="0" err="1" smtClean="0"/>
+              <a:t>available</a:t>
+            </a:r>
+            <a:r>
+              <a:rPr lang="de-DE" sz="4800" dirty="0" smtClean="0"/>
+              <a:t> </a:t>
+            </a:r>
+            <a:r>
+              <a:rPr lang="de-DE" sz="4800" dirty="0" err="1" smtClean="0"/>
+              <a:t>to</a:t>
+            </a:r>
+            <a:r>
+              <a:rPr lang="de-DE" sz="4800" dirty="0" smtClean="0"/>
+              <a:t> </a:t>
+            </a:r>
+            <a:r>
+              <a:rPr lang="de-DE" sz="4800" dirty="0" err="1" smtClean="0"/>
+              <a:t>the</a:t>
+            </a:r>
+            <a:r>
+              <a:rPr lang="de-DE" sz="4800" dirty="0" smtClean="0"/>
+              <a:t> </a:t>
+            </a:r>
+            <a:r>
+              <a:rPr lang="de-DE" sz="4800" dirty="0" err="1" smtClean="0"/>
+              <a:t>user</a:t>
+            </a:r>
+            <a:r>
+              <a:rPr lang="de-DE" sz="4800" dirty="0" smtClean="0"/>
+              <a:t> on </a:t>
+            </a:r>
+            <a:r>
+              <a:rPr lang="de-DE" sz="4800" dirty="0" err="1" smtClean="0"/>
+              <a:t>the</a:t>
+            </a:r>
+            <a:r>
+              <a:rPr lang="de-DE" sz="4800" dirty="0" smtClean="0"/>
+              <a:t> </a:t>
+            </a:r>
+            <a:r>
+              <a:rPr lang="de-DE" sz="4800" dirty="0" err="1" smtClean="0"/>
+              <a:t>webapp</a:t>
+            </a:r>
+            <a:endParaRPr lang="de-DE" sz="4800" dirty="0"/>
+          </a:p>
+        </p:txBody>
+      </p:sp>
+      <p:sp>
+        <p:nvSpPr>
+          <p:cNvPr id="8" name="Abgerundetes Rechteck 7"/>
+          <p:cNvSpPr/>
+          <p:nvPr/>
+        </p:nvSpPr>
+        <p:spPr>
+          <a:xfrm>
+            <a:off x="4718304" y="19092672"/>
+            <a:ext cx="13130784" cy="9912096"/>
+          </a:xfrm>
+          <a:prstGeom prst="roundRect">
+            <a:avLst/>
+          </a:prstGeom>
+        </p:spPr>
+        <p:style>
+          <a:lnRef idx="2">
+            <a:schemeClr val="accent1">
+              <a:shade val="50000"/>
+            </a:schemeClr>
+          </a:lnRef>
+          <a:fillRef idx="1">
+            <a:schemeClr val="accent1"/>
+          </a:fillRef>
+          <a:effectRef idx="0">
+            <a:schemeClr val="accent1"/>
+          </a:effectRef>
+          <a:fontRef idx="minor">
+            <a:schemeClr val="lt1"/>
+          </a:fontRef>
+        </p:style>
+        <p:txBody>
+          <a:bodyPr rtlCol="0" anchor="t"/>
+          <a:lstStyle/>
+          <a:p>
+            <a:r>
+              <a:rPr lang="de-DE" dirty="0" err="1" smtClean="0">
+                <a:solidFill>
+                  <a:schemeClr val="tx1"/>
+                </a:solidFill>
+              </a:rPr>
+              <a:t>Conclusion</a:t>
+            </a:r>
+            <a:r>
+              <a:rPr lang="de-DE" dirty="0" smtClean="0">
+                <a:solidFill>
+                  <a:schemeClr val="tx1"/>
+                </a:solidFill>
+              </a:rPr>
+              <a:t>:</a:t>
+            </a:r>
+          </a:p>
+          <a:p>
+            <a:r>
+              <a:rPr lang="de-DE" sz="4400" dirty="0" smtClean="0"/>
+              <a:t>The </a:t>
+            </a:r>
+            <a:r>
+              <a:rPr lang="de-DE" sz="4400" dirty="0" err="1" smtClean="0"/>
+              <a:t>system</a:t>
+            </a:r>
+            <a:r>
+              <a:rPr lang="de-DE" sz="4400" dirty="0" smtClean="0"/>
+              <a:t> </a:t>
+            </a:r>
+            <a:r>
+              <a:rPr lang="de-DE" sz="4400" dirty="0" err="1" smtClean="0"/>
+              <a:t>we</a:t>
+            </a:r>
+            <a:r>
+              <a:rPr lang="de-DE" sz="4400" dirty="0" smtClean="0"/>
+              <a:t> </a:t>
+            </a:r>
+            <a:r>
+              <a:rPr lang="de-DE" sz="4400" dirty="0" err="1" smtClean="0"/>
+              <a:t>proposed</a:t>
+            </a:r>
+            <a:r>
+              <a:rPr lang="de-DE" sz="4400" dirty="0" smtClean="0"/>
+              <a:t> an </a:t>
+            </a:r>
+            <a:r>
+              <a:rPr lang="de-DE" sz="4400" dirty="0" err="1" smtClean="0"/>
+              <a:t>implemented</a:t>
+            </a:r>
+            <a:r>
+              <a:rPr lang="de-DE" sz="4400" dirty="0" smtClean="0"/>
+              <a:t> </a:t>
+            </a:r>
+            <a:r>
+              <a:rPr lang="de-DE" sz="4400" dirty="0" err="1" smtClean="0"/>
+              <a:t>prototypically</a:t>
+            </a:r>
+            <a:r>
+              <a:rPr lang="de-DE" sz="4400" dirty="0" smtClean="0"/>
+              <a:t> </a:t>
+            </a:r>
+            <a:r>
+              <a:rPr lang="de-DE" sz="4400" dirty="0" err="1" smtClean="0"/>
+              <a:t>allows</a:t>
+            </a:r>
+            <a:r>
+              <a:rPr lang="de-DE" sz="4400" dirty="0" smtClean="0"/>
+              <a:t> a </a:t>
+            </a:r>
+            <a:r>
+              <a:rPr lang="de-DE" sz="4400" dirty="0" err="1" smtClean="0"/>
+              <a:t>user</a:t>
+            </a:r>
+            <a:r>
+              <a:rPr lang="de-DE" sz="4400" dirty="0" smtClean="0"/>
+              <a:t> </a:t>
+            </a:r>
+            <a:r>
+              <a:rPr lang="de-DE" sz="4400" dirty="0" err="1" smtClean="0"/>
+              <a:t>to</a:t>
+            </a:r>
+            <a:r>
+              <a:rPr lang="de-DE" sz="4400" dirty="0" smtClean="0"/>
+              <a:t> </a:t>
+            </a:r>
+            <a:r>
+              <a:rPr lang="de-DE" sz="4400" dirty="0" err="1" smtClean="0"/>
+              <a:t>remotely</a:t>
+            </a:r>
+            <a:r>
+              <a:rPr lang="de-DE" sz="4400" dirty="0" smtClean="0"/>
+              <a:t> turn on a </a:t>
+            </a:r>
+            <a:r>
+              <a:rPr lang="de-DE" sz="4400" dirty="0" err="1" smtClean="0"/>
+              <a:t>location</a:t>
+            </a:r>
+            <a:r>
+              <a:rPr lang="de-DE" sz="4400" dirty="0" smtClean="0"/>
+              <a:t> </a:t>
+            </a:r>
+            <a:r>
+              <a:rPr lang="de-DE" sz="4400" dirty="0" err="1" smtClean="0"/>
+              <a:t>tracking</a:t>
+            </a:r>
+            <a:r>
+              <a:rPr lang="de-DE" sz="4400" dirty="0" smtClean="0"/>
+              <a:t> </a:t>
+            </a:r>
+            <a:r>
+              <a:rPr lang="de-DE" sz="4400" dirty="0" err="1" smtClean="0"/>
+              <a:t>device</a:t>
+            </a:r>
+            <a:r>
+              <a:rPr lang="de-DE" sz="4400" dirty="0" smtClean="0"/>
+              <a:t>, </a:t>
+            </a:r>
+            <a:r>
+              <a:rPr lang="de-DE" sz="4400" dirty="0" err="1" smtClean="0"/>
+              <a:t>collect</a:t>
+            </a:r>
+            <a:r>
+              <a:rPr lang="de-DE" sz="4400" dirty="0" smtClean="0"/>
+              <a:t> </a:t>
+            </a:r>
+            <a:r>
+              <a:rPr lang="de-DE" sz="4400" dirty="0" err="1" smtClean="0"/>
+              <a:t>data</a:t>
+            </a:r>
+            <a:r>
+              <a:rPr lang="de-DE" sz="4400" dirty="0" smtClean="0"/>
+              <a:t> </a:t>
+            </a:r>
+            <a:r>
+              <a:rPr lang="de-DE" sz="4400" dirty="0" err="1" smtClean="0"/>
+              <a:t>over</a:t>
+            </a:r>
+            <a:r>
+              <a:rPr lang="de-DE" sz="4400" dirty="0" smtClean="0"/>
+              <a:t> </a:t>
+            </a:r>
+            <a:r>
+              <a:rPr lang="de-DE" sz="4400" dirty="0" err="1" smtClean="0"/>
+              <a:t>extended</a:t>
+            </a:r>
+            <a:r>
+              <a:rPr lang="de-DE" sz="4400" dirty="0" smtClean="0"/>
+              <a:t> </a:t>
+            </a:r>
+            <a:r>
+              <a:rPr lang="de-DE" sz="4400" dirty="0" err="1" smtClean="0"/>
+              <a:t>periods</a:t>
+            </a:r>
+            <a:r>
+              <a:rPr lang="de-DE" sz="4400" dirty="0" smtClean="0"/>
+              <a:t> </a:t>
+            </a:r>
+            <a:r>
+              <a:rPr lang="de-DE" sz="4400" dirty="0" err="1" smtClean="0"/>
+              <a:t>of</a:t>
+            </a:r>
+            <a:r>
+              <a:rPr lang="de-DE" sz="4400" dirty="0" smtClean="0"/>
+              <a:t> time. This </a:t>
+            </a:r>
+            <a:r>
+              <a:rPr lang="de-DE" sz="4400" dirty="0" err="1" smtClean="0"/>
+              <a:t>works</a:t>
+            </a:r>
+            <a:r>
+              <a:rPr lang="de-DE" sz="4400" dirty="0" smtClean="0"/>
+              <a:t> </a:t>
+            </a:r>
+            <a:r>
+              <a:rPr lang="de-DE" sz="4400" dirty="0" err="1" smtClean="0"/>
+              <a:t>even</a:t>
+            </a:r>
+            <a:r>
+              <a:rPr lang="de-DE" sz="4400" dirty="0" smtClean="0"/>
+              <a:t> </a:t>
+            </a:r>
+            <a:r>
+              <a:rPr lang="de-DE" sz="4400" dirty="0" err="1" smtClean="0"/>
+              <a:t>if</a:t>
+            </a:r>
+            <a:r>
+              <a:rPr lang="de-DE" sz="4400" dirty="0" smtClean="0"/>
+              <a:t> </a:t>
+            </a:r>
+            <a:r>
+              <a:rPr lang="de-DE" sz="4400" dirty="0" err="1" smtClean="0"/>
+              <a:t>his</a:t>
+            </a:r>
+            <a:r>
+              <a:rPr lang="de-DE" sz="4400" dirty="0" smtClean="0"/>
+              <a:t> bike </a:t>
+            </a:r>
+            <a:r>
+              <a:rPr lang="de-DE" sz="4400" dirty="0" err="1" smtClean="0"/>
+              <a:t>is</a:t>
+            </a:r>
+            <a:r>
+              <a:rPr lang="de-DE" sz="4400" dirty="0" smtClean="0"/>
+              <a:t> not in </a:t>
+            </a:r>
+            <a:r>
+              <a:rPr lang="de-DE" sz="4400" dirty="0" err="1" smtClean="0"/>
+              <a:t>range</a:t>
+            </a:r>
+            <a:r>
+              <a:rPr lang="de-DE" sz="4400" dirty="0" smtClean="0"/>
+              <a:t> </a:t>
+            </a:r>
+            <a:r>
+              <a:rPr lang="de-DE" sz="4400" dirty="0" err="1" smtClean="0"/>
+              <a:t>of</a:t>
+            </a:r>
+            <a:r>
+              <a:rPr lang="de-DE" sz="4400" dirty="0" smtClean="0"/>
+              <a:t> a </a:t>
+            </a:r>
+            <a:r>
+              <a:rPr lang="de-DE" sz="4400" dirty="0" err="1" smtClean="0"/>
+              <a:t>network</a:t>
+            </a:r>
+            <a:r>
+              <a:rPr lang="de-DE" sz="4400" dirty="0" smtClean="0"/>
+              <a:t> after </a:t>
+            </a:r>
+            <a:r>
+              <a:rPr lang="de-DE" sz="4400" dirty="0" err="1" smtClean="0"/>
+              <a:t>it</a:t>
+            </a:r>
+            <a:r>
+              <a:rPr lang="de-DE" sz="4400" dirty="0" smtClean="0"/>
+              <a:t> </a:t>
+            </a:r>
+            <a:r>
+              <a:rPr lang="de-DE" sz="4400" dirty="0" err="1" smtClean="0"/>
+              <a:t>has</a:t>
+            </a:r>
+            <a:r>
+              <a:rPr lang="de-DE" sz="4400" dirty="0" smtClean="0"/>
+              <a:t> </a:t>
+            </a:r>
+            <a:r>
+              <a:rPr lang="de-DE" sz="4400" dirty="0" err="1" smtClean="0"/>
+              <a:t>been</a:t>
+            </a:r>
+            <a:r>
+              <a:rPr lang="de-DE" sz="4400" dirty="0" smtClean="0"/>
+              <a:t> </a:t>
+            </a:r>
+            <a:r>
+              <a:rPr lang="de-DE" sz="4400" dirty="0" err="1" smtClean="0"/>
+              <a:t>activated</a:t>
+            </a:r>
+            <a:r>
+              <a:rPr lang="de-DE" sz="4400" dirty="0" smtClean="0"/>
+              <a:t>. </a:t>
+            </a:r>
+            <a:r>
+              <a:rPr lang="de-DE" sz="4400" dirty="0" err="1" smtClean="0"/>
+              <a:t>Using</a:t>
+            </a:r>
+            <a:r>
+              <a:rPr lang="de-DE" sz="4400" dirty="0" smtClean="0"/>
+              <a:t> a easy </a:t>
+            </a:r>
+            <a:r>
+              <a:rPr lang="de-DE" sz="4400" dirty="0" err="1" smtClean="0"/>
+              <a:t>to</a:t>
+            </a:r>
+            <a:r>
+              <a:rPr lang="de-DE" sz="4400" dirty="0" smtClean="0"/>
+              <a:t> </a:t>
+            </a:r>
+            <a:r>
+              <a:rPr lang="de-DE" sz="4400" dirty="0" err="1" smtClean="0"/>
+              <a:t>use</a:t>
+            </a:r>
+            <a:r>
+              <a:rPr lang="de-DE" sz="4400" dirty="0" smtClean="0"/>
+              <a:t> </a:t>
+            </a:r>
+            <a:r>
+              <a:rPr lang="de-DE" sz="4400" dirty="0" err="1" smtClean="0"/>
+              <a:t>webinterface</a:t>
+            </a:r>
+            <a:r>
+              <a:rPr lang="de-DE" sz="4400" dirty="0" smtClean="0"/>
+              <a:t> </a:t>
+            </a:r>
+            <a:r>
+              <a:rPr lang="de-DE" sz="4400" dirty="0" err="1" smtClean="0"/>
+              <a:t>bikes</a:t>
+            </a:r>
+            <a:r>
+              <a:rPr lang="de-DE" sz="4400" dirty="0" smtClean="0"/>
+              <a:t> </a:t>
+            </a:r>
+            <a:r>
+              <a:rPr lang="de-DE" sz="4400" dirty="0" err="1" smtClean="0"/>
+              <a:t>and</a:t>
+            </a:r>
+            <a:r>
+              <a:rPr lang="de-DE" sz="4400" dirty="0" smtClean="0"/>
+              <a:t> </a:t>
+            </a:r>
+            <a:r>
+              <a:rPr lang="de-DE" sz="4400" dirty="0" err="1" smtClean="0"/>
+              <a:t>be</a:t>
+            </a:r>
+            <a:r>
+              <a:rPr lang="de-DE" sz="4400" dirty="0" smtClean="0"/>
+              <a:t> </a:t>
+            </a:r>
+            <a:r>
+              <a:rPr lang="de-DE" sz="4400" dirty="0" err="1" smtClean="0"/>
+              <a:t>quickly</a:t>
+            </a:r>
+            <a:r>
+              <a:rPr lang="de-DE" sz="4400" dirty="0" smtClean="0"/>
+              <a:t> </a:t>
+            </a:r>
+            <a:r>
+              <a:rPr lang="de-DE" sz="4400" dirty="0" err="1" smtClean="0"/>
+              <a:t>reported</a:t>
+            </a:r>
+            <a:r>
+              <a:rPr lang="de-DE" sz="4400" dirty="0" smtClean="0"/>
+              <a:t> </a:t>
+            </a:r>
+            <a:r>
+              <a:rPr lang="de-DE" sz="4400" dirty="0" err="1" smtClean="0"/>
+              <a:t>as</a:t>
+            </a:r>
+            <a:r>
+              <a:rPr lang="de-DE" sz="4400" dirty="0" smtClean="0"/>
+              <a:t> </a:t>
+            </a:r>
+            <a:r>
+              <a:rPr lang="de-DE" sz="4400" dirty="0" err="1" smtClean="0"/>
+              <a:t>stolen</a:t>
+            </a:r>
+            <a:r>
+              <a:rPr lang="de-DE" sz="4400" dirty="0" smtClean="0"/>
+              <a:t> </a:t>
+            </a:r>
+            <a:r>
+              <a:rPr lang="de-DE" sz="4400" dirty="0" err="1" smtClean="0"/>
+              <a:t>and</a:t>
+            </a:r>
+            <a:r>
+              <a:rPr lang="de-DE" sz="4400" dirty="0" smtClean="0"/>
+              <a:t> </a:t>
+            </a:r>
+            <a:r>
+              <a:rPr lang="de-DE" sz="4400" dirty="0" err="1" smtClean="0"/>
+              <a:t>location</a:t>
+            </a:r>
+            <a:r>
+              <a:rPr lang="de-DE" sz="4400" dirty="0" smtClean="0"/>
+              <a:t> </a:t>
+            </a:r>
+            <a:r>
+              <a:rPr lang="de-DE" sz="4400" dirty="0" err="1" smtClean="0"/>
+              <a:t>data</a:t>
+            </a:r>
+            <a:r>
+              <a:rPr lang="de-DE" sz="4400" dirty="0" smtClean="0"/>
+              <a:t> </a:t>
+            </a:r>
+            <a:r>
+              <a:rPr lang="de-DE" sz="4400" dirty="0" err="1" smtClean="0"/>
+              <a:t>can</a:t>
+            </a:r>
+            <a:r>
+              <a:rPr lang="de-DE" sz="4400" dirty="0" smtClean="0"/>
+              <a:t> </a:t>
+            </a:r>
+            <a:r>
+              <a:rPr lang="de-DE" sz="4400" dirty="0" err="1" smtClean="0"/>
+              <a:t>be</a:t>
+            </a:r>
+            <a:r>
+              <a:rPr lang="de-DE" sz="4400" dirty="0" smtClean="0"/>
+              <a:t> </a:t>
+            </a:r>
+            <a:r>
+              <a:rPr lang="de-DE" sz="4400" dirty="0" err="1" smtClean="0"/>
+              <a:t>conveniently</a:t>
+            </a:r>
+            <a:r>
+              <a:rPr lang="de-DE" sz="4400" dirty="0" smtClean="0"/>
+              <a:t> </a:t>
+            </a:r>
+            <a:r>
+              <a:rPr lang="de-DE" sz="4400" dirty="0" err="1" smtClean="0"/>
+              <a:t>displayed</a:t>
+            </a:r>
+            <a:r>
+              <a:rPr lang="de-DE" sz="4400" dirty="0" smtClean="0"/>
+              <a:t> on a digital </a:t>
+            </a:r>
+            <a:r>
+              <a:rPr lang="de-DE" sz="4400" dirty="0" err="1" smtClean="0"/>
+              <a:t>map</a:t>
+            </a:r>
+            <a:r>
+              <a:rPr lang="de-DE" sz="4400" dirty="0" smtClean="0"/>
+              <a:t>. </a:t>
+            </a:r>
+          </a:p>
+          <a:p>
+            <a:r>
+              <a:rPr lang="de-DE" sz="4400" dirty="0" smtClean="0"/>
+              <a:t>Future </a:t>
+            </a:r>
+            <a:r>
+              <a:rPr lang="de-DE" sz="4400" dirty="0" err="1" smtClean="0"/>
+              <a:t>work</a:t>
+            </a:r>
+            <a:r>
+              <a:rPr lang="de-DE" sz="4400" dirty="0" smtClean="0"/>
+              <a:t> </a:t>
+            </a:r>
+            <a:r>
+              <a:rPr lang="de-DE" sz="4400" dirty="0" err="1" smtClean="0"/>
+              <a:t>is</a:t>
+            </a:r>
+            <a:r>
+              <a:rPr lang="de-DE" sz="4400" dirty="0" smtClean="0"/>
+              <a:t> </a:t>
+            </a:r>
+            <a:r>
+              <a:rPr lang="de-DE" sz="4400" dirty="0" err="1" smtClean="0"/>
+              <a:t>needed</a:t>
+            </a:r>
+            <a:r>
+              <a:rPr lang="de-DE" sz="4400" dirty="0" smtClean="0"/>
+              <a:t> </a:t>
+            </a:r>
+            <a:r>
+              <a:rPr lang="de-DE" sz="4400" dirty="0" err="1" smtClean="0"/>
+              <a:t>to</a:t>
+            </a:r>
+            <a:r>
+              <a:rPr lang="de-DE" sz="4400" dirty="0" smtClean="0"/>
+              <a:t> </a:t>
+            </a:r>
+            <a:r>
+              <a:rPr lang="de-DE" sz="4400" dirty="0" err="1" smtClean="0"/>
+              <a:t>determine</a:t>
+            </a:r>
+            <a:r>
+              <a:rPr lang="de-DE" sz="4400" dirty="0" smtClean="0"/>
+              <a:t> </a:t>
+            </a:r>
+            <a:r>
+              <a:rPr lang="de-DE" sz="4400" dirty="0" err="1" smtClean="0"/>
+              <a:t>how</a:t>
+            </a:r>
+            <a:r>
+              <a:rPr lang="de-DE" sz="4400" dirty="0" smtClean="0"/>
+              <a:t> </a:t>
+            </a:r>
+            <a:r>
+              <a:rPr lang="de-DE" sz="4400" dirty="0" err="1" smtClean="0"/>
+              <a:t>battery</a:t>
+            </a:r>
+            <a:r>
+              <a:rPr lang="de-DE" sz="4400" dirty="0" smtClean="0"/>
+              <a:t> </a:t>
+            </a:r>
+            <a:r>
+              <a:rPr lang="de-DE" sz="4400" dirty="0" err="1" smtClean="0"/>
+              <a:t>usage</a:t>
+            </a:r>
+            <a:r>
+              <a:rPr lang="de-DE" sz="4400" dirty="0" smtClean="0"/>
+              <a:t> </a:t>
+            </a:r>
+            <a:r>
+              <a:rPr lang="de-DE" sz="4400" dirty="0" err="1" smtClean="0"/>
+              <a:t>can</a:t>
+            </a:r>
+            <a:r>
+              <a:rPr lang="de-DE" sz="4400" dirty="0" smtClean="0"/>
+              <a:t> </a:t>
+            </a:r>
+            <a:r>
+              <a:rPr lang="de-DE" sz="4400" dirty="0" err="1" smtClean="0"/>
+              <a:t>be</a:t>
+            </a:r>
+            <a:r>
+              <a:rPr lang="de-DE" sz="4400" dirty="0" smtClean="0"/>
+              <a:t> </a:t>
+            </a:r>
+            <a:r>
+              <a:rPr lang="de-DE" sz="4400" dirty="0" err="1" smtClean="0"/>
+              <a:t>minimized</a:t>
+            </a:r>
+            <a:r>
+              <a:rPr lang="de-DE" sz="4400" dirty="0" smtClean="0"/>
+              <a:t> (e.g. </a:t>
+            </a:r>
+            <a:r>
+              <a:rPr lang="de-DE" sz="4400" dirty="0" err="1" smtClean="0"/>
+              <a:t>by</a:t>
+            </a:r>
+            <a:r>
+              <a:rPr lang="de-DE" sz="4400" dirty="0" smtClean="0"/>
+              <a:t> </a:t>
+            </a:r>
+            <a:r>
+              <a:rPr lang="de-DE" sz="4400" dirty="0" err="1" smtClean="0"/>
+              <a:t>replacing</a:t>
+            </a:r>
+            <a:r>
+              <a:rPr lang="de-DE" sz="4400" dirty="0" smtClean="0"/>
+              <a:t> GPS </a:t>
+            </a:r>
+            <a:r>
+              <a:rPr lang="de-DE" sz="4400" dirty="0" err="1" smtClean="0"/>
+              <a:t>with</a:t>
+            </a:r>
+            <a:r>
+              <a:rPr lang="de-DE" sz="4400" dirty="0" smtClean="0"/>
+              <a:t> </a:t>
+            </a:r>
+            <a:r>
+              <a:rPr lang="de-DE" sz="4400" dirty="0" err="1" smtClean="0"/>
+              <a:t>WiFi</a:t>
+            </a:r>
+            <a:r>
+              <a:rPr lang="de-DE" sz="4400" dirty="0" smtClean="0"/>
+              <a:t> </a:t>
+            </a:r>
+            <a:r>
+              <a:rPr lang="de-DE" sz="4400" dirty="0" err="1" smtClean="0"/>
+              <a:t>positioning</a:t>
+            </a:r>
+            <a:r>
+              <a:rPr lang="de-DE" sz="4400" dirty="0" smtClean="0"/>
+              <a:t>) </a:t>
+            </a:r>
+            <a:r>
+              <a:rPr lang="de-DE" sz="4400" dirty="0" err="1" smtClean="0"/>
+              <a:t>and</a:t>
+            </a:r>
+            <a:r>
+              <a:rPr lang="de-DE" sz="4400" dirty="0" smtClean="0"/>
+              <a:t> </a:t>
+            </a:r>
+            <a:r>
+              <a:rPr lang="de-DE" sz="4400" dirty="0" err="1" smtClean="0"/>
+              <a:t>whether</a:t>
+            </a:r>
+            <a:r>
+              <a:rPr lang="de-DE" sz="4400" dirty="0" smtClean="0"/>
+              <a:t> a </a:t>
+            </a:r>
+            <a:r>
+              <a:rPr lang="de-DE" sz="4400" dirty="0" err="1" smtClean="0"/>
+              <a:t>sufficient</a:t>
+            </a:r>
+            <a:r>
+              <a:rPr lang="de-DE" sz="4400" dirty="0" smtClean="0"/>
+              <a:t> </a:t>
+            </a:r>
+            <a:r>
+              <a:rPr lang="de-DE" sz="4400" dirty="0" err="1" smtClean="0"/>
+              <a:t>relay</a:t>
+            </a:r>
+            <a:r>
+              <a:rPr lang="de-DE" sz="4400" dirty="0" smtClean="0"/>
+              <a:t> </a:t>
+            </a:r>
+            <a:r>
+              <a:rPr lang="de-DE" sz="4400" dirty="0" err="1" smtClean="0"/>
+              <a:t>network</a:t>
+            </a:r>
+            <a:r>
+              <a:rPr lang="de-DE" sz="4400" dirty="0" smtClean="0"/>
+              <a:t> </a:t>
+            </a:r>
+            <a:r>
+              <a:rPr lang="de-DE" sz="4400" dirty="0" err="1" smtClean="0"/>
+              <a:t>can</a:t>
+            </a:r>
+            <a:r>
+              <a:rPr lang="de-DE" sz="4400" dirty="0" smtClean="0"/>
+              <a:t> </a:t>
+            </a:r>
+            <a:r>
+              <a:rPr lang="de-DE" sz="4400" dirty="0" err="1" smtClean="0"/>
+              <a:t>be</a:t>
+            </a:r>
+            <a:r>
+              <a:rPr lang="de-DE" sz="4400" dirty="0" smtClean="0"/>
+              <a:t> </a:t>
+            </a:r>
+            <a:r>
+              <a:rPr lang="de-DE" sz="4400" dirty="0" err="1" smtClean="0"/>
+              <a:t>established</a:t>
+            </a:r>
+            <a:r>
+              <a:rPr lang="de-DE" sz="4400" dirty="0" smtClean="0"/>
+              <a:t> at </a:t>
+            </a:r>
+            <a:r>
+              <a:rPr lang="de-DE" sz="4400" dirty="0" err="1" smtClean="0"/>
+              <a:t>reasonable</a:t>
+            </a:r>
+            <a:r>
+              <a:rPr lang="de-DE" sz="4400" dirty="0" smtClean="0"/>
+              <a:t> </a:t>
+            </a:r>
+            <a:r>
+              <a:rPr lang="de-DE" sz="4400" dirty="0" err="1" smtClean="0"/>
+              <a:t>costs</a:t>
+            </a:r>
+            <a:r>
+              <a:rPr lang="de-DE" sz="4400" dirty="0" smtClean="0"/>
+              <a:t>.</a:t>
+            </a:r>
+          </a:p>
+          <a:p>
+            <a:pPr algn="ctr"/>
+            <a:endParaRPr lang="de-DE" dirty="0"/>
+          </a:p>
+        </p:txBody>
+      </p:sp>
     </p:spTree>
     <p:extLst>
       <p:ext uri="{BB962C8B-B14F-4D97-AF65-F5344CB8AC3E}">
